--- a/database/slides/UPKAAR BAVDUN KOSO.pptx
+++ b/database/slides/UPKAAR BAVDUN KOSO.pptx
@@ -16411,7 +16411,13 @@
       </p:sp>
       <p:sp>
         <p:nvSpPr>
-          <p:cNvPr id="131" name="Google Shape;131;p25"/>
+          <p:cNvPr id="2" name="Google Shape;131;p25">
+            <a:extLst>
+              <a:ext uri="{FF2B5EF4-FFF2-40B4-BE49-F238E27FC236}">
+                <a16:creationId xmlns:a16="http://schemas.microsoft.com/office/drawing/2014/main" id="{F42AE845-81AF-9E90-787F-8FB38B9DB558}"/>
+              </a:ext>
+            </a:extLst>
+          </p:cNvPr>
           <p:cNvSpPr txBox="1"/>
           <p:nvPr/>
         </p:nvSpPr>
@@ -16434,7 +16440,7 @@
           </a:bodyPr>
           <a:lstStyle/>
           <a:p>
-            <a:pPr marL="0" lvl="0" indent="0" rtl="0">
+            <a:pPr marL="0" lvl="0" indent="0" algn="l" rtl="0">
               <a:spcBef>
                 <a:spcPts val="0"/>
               </a:spcBef>
